--- a/projet e-santé.pptx
+++ b/projet e-santé.pptx
@@ -299,7 +299,7 @@
           <a:p>
             <a:fld id="{305766DE-174A-40F6-BE44-A9895A64961C}" type="datetimeFigureOut">
               <a:rPr lang="fr-FR" smtClean="0"/>
-              <a:t>13/08/2021</a:t>
+              <a:t>18/08/2021</a:t>
             </a:fld>
             <a:endParaRPr lang="fr-FR"/>
           </a:p>
@@ -611,7 +611,7 @@
           <a:p>
             <a:fld id="{305766DE-174A-40F6-BE44-A9895A64961C}" type="datetimeFigureOut">
               <a:rPr lang="fr-FR" smtClean="0"/>
-              <a:t>13/08/2021</a:t>
+              <a:t>18/08/2021</a:t>
             </a:fld>
             <a:endParaRPr lang="fr-FR"/>
           </a:p>
@@ -833,7 +833,7 @@
           <a:p>
             <a:fld id="{305766DE-174A-40F6-BE44-A9895A64961C}" type="datetimeFigureOut">
               <a:rPr lang="fr-FR" smtClean="0"/>
-              <a:t>13/08/2021</a:t>
+              <a:t>18/08/2021</a:t>
             </a:fld>
             <a:endParaRPr lang="fr-FR"/>
           </a:p>
@@ -1124,7 +1124,7 @@
           <a:p>
             <a:fld id="{305766DE-174A-40F6-BE44-A9895A64961C}" type="datetimeFigureOut">
               <a:rPr lang="fr-FR" smtClean="0"/>
-              <a:t>13/08/2021</a:t>
+              <a:t>18/08/2021</a:t>
             </a:fld>
             <a:endParaRPr lang="fr-FR"/>
           </a:p>
@@ -1578,7 +1578,7 @@
           <a:p>
             <a:fld id="{305766DE-174A-40F6-BE44-A9895A64961C}" type="datetimeFigureOut">
               <a:rPr lang="fr-FR" smtClean="0"/>
-              <a:t>13/08/2021</a:t>
+              <a:t>18/08/2021</a:t>
             </a:fld>
             <a:endParaRPr lang="fr-FR"/>
           </a:p>
@@ -2154,7 +2154,7 @@
           <a:p>
             <a:fld id="{305766DE-174A-40F6-BE44-A9895A64961C}" type="datetimeFigureOut">
               <a:rPr lang="fr-FR" smtClean="0"/>
-              <a:t>13/08/2021</a:t>
+              <a:t>18/08/2021</a:t>
             </a:fld>
             <a:endParaRPr lang="fr-FR"/>
           </a:p>
@@ -3006,7 +3006,7 @@
           <a:p>
             <a:fld id="{305766DE-174A-40F6-BE44-A9895A64961C}" type="datetimeFigureOut">
               <a:rPr lang="fr-FR" smtClean="0"/>
-              <a:t>13/08/2021</a:t>
+              <a:t>18/08/2021</a:t>
             </a:fld>
             <a:endParaRPr lang="fr-FR"/>
           </a:p>
@@ -3211,7 +3211,7 @@
           <a:p>
             <a:fld id="{305766DE-174A-40F6-BE44-A9895A64961C}" type="datetimeFigureOut">
               <a:rPr lang="fr-FR" smtClean="0"/>
-              <a:t>13/08/2021</a:t>
+              <a:t>18/08/2021</a:t>
             </a:fld>
             <a:endParaRPr lang="fr-FR"/>
           </a:p>
@@ -3425,7 +3425,7 @@
           <a:p>
             <a:fld id="{305766DE-174A-40F6-BE44-A9895A64961C}" type="datetimeFigureOut">
               <a:rPr lang="fr-FR" smtClean="0"/>
-              <a:t>13/08/2021</a:t>
+              <a:t>18/08/2021</a:t>
             </a:fld>
             <a:endParaRPr lang="fr-FR"/>
           </a:p>
@@ -3595,7 +3595,7 @@
           <a:p>
             <a:fld id="{305766DE-174A-40F6-BE44-A9895A64961C}" type="datetimeFigureOut">
               <a:rPr lang="fr-FR" smtClean="0"/>
-              <a:t>13/08/2021</a:t>
+              <a:t>18/08/2021</a:t>
             </a:fld>
             <a:endParaRPr lang="fr-FR"/>
           </a:p>
@@ -3800,7 +3800,7 @@
           <a:p>
             <a:fld id="{305766DE-174A-40F6-BE44-A9895A64961C}" type="datetimeFigureOut">
               <a:rPr lang="fr-FR" smtClean="0"/>
-              <a:t>13/08/2021</a:t>
+              <a:t>18/08/2021</a:t>
             </a:fld>
             <a:endParaRPr lang="fr-FR"/>
           </a:p>
@@ -4080,7 +4080,7 @@
           <a:p>
             <a:fld id="{305766DE-174A-40F6-BE44-A9895A64961C}" type="datetimeFigureOut">
               <a:rPr lang="fr-FR" smtClean="0"/>
-              <a:t>13/08/2021</a:t>
+              <a:t>18/08/2021</a:t>
             </a:fld>
             <a:endParaRPr lang="fr-FR"/>
           </a:p>
@@ -4347,7 +4347,7 @@
           <a:p>
             <a:fld id="{305766DE-174A-40F6-BE44-A9895A64961C}" type="datetimeFigureOut">
               <a:rPr lang="fr-FR" smtClean="0"/>
-              <a:t>13/08/2021</a:t>
+              <a:t>18/08/2021</a:t>
             </a:fld>
             <a:endParaRPr lang="fr-FR"/>
           </a:p>
@@ -4762,7 +4762,7 @@
           <a:p>
             <a:fld id="{305766DE-174A-40F6-BE44-A9895A64961C}" type="datetimeFigureOut">
               <a:rPr lang="fr-FR" smtClean="0"/>
-              <a:t>13/08/2021</a:t>
+              <a:t>18/08/2021</a:t>
             </a:fld>
             <a:endParaRPr lang="fr-FR"/>
           </a:p>
@@ -4910,7 +4910,7 @@
           <a:p>
             <a:fld id="{305766DE-174A-40F6-BE44-A9895A64961C}" type="datetimeFigureOut">
               <a:rPr lang="fr-FR" smtClean="0"/>
-              <a:t>13/08/2021</a:t>
+              <a:t>18/08/2021</a:t>
             </a:fld>
             <a:endParaRPr lang="fr-FR"/>
           </a:p>
@@ -5035,7 +5035,7 @@
           <a:p>
             <a:fld id="{305766DE-174A-40F6-BE44-A9895A64961C}" type="datetimeFigureOut">
               <a:rPr lang="fr-FR" smtClean="0"/>
-              <a:t>13/08/2021</a:t>
+              <a:t>18/08/2021</a:t>
             </a:fld>
             <a:endParaRPr lang="fr-FR"/>
           </a:p>
@@ -5314,7 +5314,7 @@
           <a:p>
             <a:fld id="{305766DE-174A-40F6-BE44-A9895A64961C}" type="datetimeFigureOut">
               <a:rPr lang="fr-FR" smtClean="0"/>
-              <a:t>13/08/2021</a:t>
+              <a:t>18/08/2021</a:t>
             </a:fld>
             <a:endParaRPr lang="fr-FR"/>
           </a:p>
@@ -5626,7 +5626,7 @@
           <a:p>
             <a:fld id="{305766DE-174A-40F6-BE44-A9895A64961C}" type="datetimeFigureOut">
               <a:rPr lang="fr-FR" smtClean="0"/>
-              <a:t>13/08/2021</a:t>
+              <a:t>18/08/2021</a:t>
             </a:fld>
             <a:endParaRPr lang="fr-FR"/>
           </a:p>
@@ -5879,7 +5879,7 @@
           <a:p>
             <a:fld id="{305766DE-174A-40F6-BE44-A9895A64961C}" type="datetimeFigureOut">
               <a:rPr lang="fr-FR" smtClean="0"/>
-              <a:t>13/08/2021</a:t>
+              <a:t>18/08/2021</a:t>
             </a:fld>
             <a:endParaRPr lang="fr-FR"/>
           </a:p>
@@ -6515,6 +6515,13 @@
   <p:clrMapOvr>
     <a:masterClrMapping/>
   </p:clrMapOvr>
+  <p:timing>
+    <p:tnLst>
+      <p:par>
+        <p:cTn id="1" dur="indefinite" restart="never" nodeType="tmRoot"/>
+      </p:par>
+    </p:tnLst>
+  </p:timing>
 </p:sld>
 </file>
 
@@ -7105,6 +7112,13 @@
   <p:clrMapOvr>
     <a:masterClrMapping/>
   </p:clrMapOvr>
+  <p:timing>
+    <p:tnLst>
+      <p:par>
+        <p:cTn id="1" dur="indefinite" restart="never" nodeType="tmRoot"/>
+      </p:par>
+    </p:tnLst>
+  </p:timing>
 </p:sld>
 </file>
 
@@ -7591,6 +7605,13 @@
   <p:clrMapOvr>
     <a:masterClrMapping/>
   </p:clrMapOvr>
+  <p:timing>
+    <p:tnLst>
+      <p:par>
+        <p:cTn id="1" dur="indefinite" restart="never" nodeType="tmRoot"/>
+      </p:par>
+    </p:tnLst>
+  </p:timing>
 </p:sld>
 </file>
 
@@ -8506,6 +8527,13 @@
   <p:clrMapOvr>
     <a:masterClrMapping/>
   </p:clrMapOvr>
+  <p:timing>
+    <p:tnLst>
+      <p:par>
+        <p:cTn id="1" dur="indefinite" restart="never" nodeType="tmRoot"/>
+      </p:par>
+    </p:tnLst>
+  </p:timing>
 </p:sld>
 </file>
 
@@ -9022,6 +9050,13 @@
   <p:clrMapOvr>
     <a:masterClrMapping/>
   </p:clrMapOvr>
+  <p:timing>
+    <p:tnLst>
+      <p:par>
+        <p:cTn id="1" dur="indefinite" restart="never" nodeType="tmRoot"/>
+      </p:par>
+    </p:tnLst>
+  </p:timing>
 </p:sld>
 </file>
 
@@ -9885,6 +9920,13 @@
   <p:clrMapOvr>
     <a:masterClrMapping/>
   </p:clrMapOvr>
+  <p:timing>
+    <p:tnLst>
+      <p:par>
+        <p:cTn id="1" dur="indefinite" restart="never" nodeType="tmRoot"/>
+      </p:par>
+    </p:tnLst>
+  </p:timing>
 </p:sld>
 </file>
 
@@ -10134,7 +10176,7 @@
         </p:spPr>
         <p:txBody>
           <a:bodyPr vert="horz" lIns="91440" tIns="45720" rIns="91440" bIns="45720" rtlCol="0">
-            <a:normAutofit lnSpcReduction="10000"/>
+            <a:normAutofit fontScale="92500" lnSpcReduction="10000"/>
           </a:bodyPr>
           <a:lstStyle>
             <a:lvl1pPr marL="228600" indent="-228600" algn="l" defTabSz="914400" rtl="0" eaLnBrk="1" latinLnBrk="0" hangingPunct="1">
@@ -10576,6 +10618,13 @@
   <p:clrMapOvr>
     <a:masterClrMapping/>
   </p:clrMapOvr>
+  <p:timing>
+    <p:tnLst>
+      <p:par>
+        <p:cTn id="1" dur="indefinite" restart="never" nodeType="tmRoot"/>
+      </p:par>
+    </p:tnLst>
+  </p:timing>
 </p:sld>
 </file>
 
@@ -11505,6 +11554,13 @@
   <p:clrMapOvr>
     <a:masterClrMapping/>
   </p:clrMapOvr>
+  <p:timing>
+    <p:tnLst>
+      <p:par>
+        <p:cTn id="1" dur="indefinite" restart="never" nodeType="tmRoot"/>
+      </p:par>
+    </p:tnLst>
+  </p:timing>
 </p:sld>
 </file>
 
@@ -11665,6 +11721,13 @@
   <p:clrMapOvr>
     <a:masterClrMapping/>
   </p:clrMapOvr>
+  <p:timing>
+    <p:tnLst>
+      <p:par>
+        <p:cTn id="1" dur="indefinite" restart="never" nodeType="tmRoot"/>
+      </p:par>
+    </p:tnLst>
+  </p:timing>
 </p:sld>
 </file>
 
@@ -11751,7 +11814,7 @@
         </p:blipFill>
         <p:spPr>
           <a:xfrm>
-            <a:off x="1141409" y="1097802"/>
+            <a:off x="1141409" y="1123928"/>
             <a:ext cx="9905997" cy="5172683"/>
           </a:xfrm>
         </p:spPr>
@@ -11807,7 +11870,7 @@
           <p:nvPr/>
         </p:nvPicPr>
         <p:blipFill>
-          <a:blip r:embed="rId4">
+          <a:blip r:embed="rId4" cstate="hqprint">
             <a:extLst>
               <a:ext uri="{28A0092B-C50C-407E-A947-70E740481C1C}">
                 <a14:useLocalDpi xmlns:a14="http://schemas.microsoft.com/office/drawing/2010/main" val="0"/>
@@ -12268,6 +12331,13 @@
   <p:clrMapOvr>
     <a:masterClrMapping/>
   </p:clrMapOvr>
+  <p:timing>
+    <p:tnLst>
+      <p:par>
+        <p:cTn id="1" dur="indefinite" restart="never" nodeType="tmRoot"/>
+      </p:par>
+    </p:tnLst>
+  </p:timing>
 </p:sld>
 </file>
 
@@ -12882,6 +12952,13 @@
   <p:clrMapOvr>
     <a:masterClrMapping/>
   </p:clrMapOvr>
+  <p:timing>
+    <p:tnLst>
+      <p:par>
+        <p:cTn id="1" dur="indefinite" restart="never" nodeType="tmRoot"/>
+      </p:par>
+    </p:tnLst>
+  </p:timing>
 </p:sld>
 </file>
 
@@ -13657,6 +13734,13 @@
   <p:clrMapOvr>
     <a:masterClrMapping/>
   </p:clrMapOvr>
+  <p:timing>
+    <p:tnLst>
+      <p:par>
+        <p:cTn id="1" dur="indefinite" restart="never" nodeType="tmRoot"/>
+      </p:par>
+    </p:tnLst>
+  </p:timing>
 </p:sld>
 </file>
 
@@ -13773,7 +13857,7 @@
           </p:nvPr>
         </p:nvPicPr>
         <p:blipFill>
-          <a:blip r:embed="rId2">
+          <a:blip r:embed="rId2" cstate="hqprint">
             <a:extLst>
               <a:ext uri="{28A0092B-C50C-407E-A947-70E740481C1C}">
                 <a14:useLocalDpi xmlns:a14="http://schemas.microsoft.com/office/drawing/2010/main" val="0"/>
@@ -13786,7 +13870,7 @@
         </p:blipFill>
         <p:spPr>
           <a:xfrm>
-            <a:off x="666206" y="1413374"/>
+            <a:off x="666206" y="1426437"/>
             <a:ext cx="4304873" cy="3054123"/>
           </a:xfrm>
         </p:spPr>
@@ -14768,6 +14852,13 @@
   <p:clrMapOvr>
     <a:masterClrMapping/>
   </p:clrMapOvr>
+  <p:timing>
+    <p:tnLst>
+      <p:par>
+        <p:cTn id="1" dur="indefinite" restart="never" nodeType="tmRoot"/>
+      </p:par>
+    </p:tnLst>
+  </p:timing>
 </p:sld>
 </file>
 
@@ -15409,6 +15500,13 @@
   <p:clrMapOvr>
     <a:masterClrMapping/>
   </p:clrMapOvr>
+  <p:timing>
+    <p:tnLst>
+      <p:par>
+        <p:cTn id="1" dur="indefinite" restart="never" nodeType="tmRoot"/>
+      </p:par>
+    </p:tnLst>
+  </p:timing>
 </p:sld>
 </file>
 
@@ -16501,6 +16599,13 @@
   <p:clrMapOvr>
     <a:masterClrMapping/>
   </p:clrMapOvr>
+  <p:timing>
+    <p:tnLst>
+      <p:par>
+        <p:cTn id="1" dur="indefinite" restart="never" nodeType="tmRoot"/>
+      </p:par>
+    </p:tnLst>
+  </p:timing>
 </p:sld>
 </file>
 
@@ -17051,6 +17156,13 @@
   <p:clrMapOvr>
     <a:masterClrMapping/>
   </p:clrMapOvr>
+  <p:timing>
+    <p:tnLst>
+      <p:par>
+        <p:cTn id="1" dur="indefinite" restart="never" nodeType="tmRoot"/>
+      </p:par>
+    </p:tnLst>
+  </p:timing>
 </p:sld>
 </file>
 
@@ -18077,6 +18189,13 @@
   <p:clrMapOvr>
     <a:masterClrMapping/>
   </p:clrMapOvr>
+  <p:timing>
+    <p:tnLst>
+      <p:par>
+        <p:cTn id="1" dur="indefinite" restart="never" nodeType="tmRoot"/>
+      </p:par>
+    </p:tnLst>
+  </p:timing>
 </p:sld>
 </file>
 
